--- a/go分享.pptx
+++ b/go分享.pptx
@@ -136,7 +136,7 @@
   </p:defaultTextStyle>
   <p:extLst>
     <p:ext uri="{EFAFB233-063F-42B5-8137-9DF3F51BA10A}">
-      <p15:sldGuideLst xmlns:p15="http://schemas.microsoft.com/office/powerpoint/2012/main">
+      <p15:sldGuideLst xmlns:p15="http://schemas.microsoft.com/office/powerpoint/2012/main" xmlns="">
         <p15:guide id="1" orient="horz" pos="2880">
           <p15:clr>
             <a:srgbClr val="A4A3A4"/>
@@ -298,7 +298,7 @@
           <a:p>
             <a:fld id="{1D8BD707-D9CF-40AE-B4C6-C98DA3205C09}" type="datetimeFigureOut">
               <a:rPr lang="en-US"/>
-              <a:t>10/23/2016</a:t>
+              <a:t>17/3/29</a:t>
             </a:fld>
             <a:endParaRPr lang="en-US"/>
           </a:p>
@@ -476,7 +476,7 @@
           <a:p>
             <a:fld id="{1D8BD707-D9CF-40AE-B4C6-C98DA3205C09}" type="datetimeFigureOut">
               <a:rPr lang="en-US"/>
-              <a:t>10/23/2016</a:t>
+              <a:t>17/3/29</a:t>
             </a:fld>
             <a:endParaRPr lang="en-US"/>
           </a:p>
@@ -691,7 +691,7 @@
           <a:p>
             <a:fld id="{1D8BD707-D9CF-40AE-B4C6-C98DA3205C09}" type="datetimeFigureOut">
               <a:rPr lang="en-US"/>
-              <a:t>10/23/2016</a:t>
+              <a:t>17/3/29</a:t>
             </a:fld>
             <a:endParaRPr lang="en-US"/>
           </a:p>
@@ -840,7 +840,7 @@
           <a:p>
             <a:fld id="{1D8BD707-D9CF-40AE-B4C6-C98DA3205C09}" type="datetimeFigureOut">
               <a:rPr lang="en-US"/>
-              <a:t>10/23/2016</a:t>
+              <a:t>17/3/29</a:t>
             </a:fld>
             <a:endParaRPr lang="en-US"/>
           </a:p>
@@ -960,7 +960,7 @@
           <a:p>
             <a:fld id="{1D8BD707-D9CF-40AE-B4C6-C98DA3205C09}" type="datetimeFigureOut">
               <a:rPr lang="en-US"/>
-              <a:t>10/23/2016</a:t>
+              <a:t>17/3/29</a:t>
             </a:fld>
             <a:endParaRPr lang="en-US"/>
           </a:p>
@@ -1186,7 +1186,7 @@
           <a:p>
             <a:fld id="{1D8BD707-D9CF-40AE-B4C6-C98DA3205C09}" type="datetimeFigureOut">
               <a:rPr lang="en-US"/>
-              <a:t>10/23/2016</a:t>
+              <a:t>17/3/29</a:t>
             </a:fld>
             <a:endParaRPr lang="en-US"/>
           </a:p>
@@ -2858,7 +2858,7 @@
   <p:timing>
     <p:tnLst>
       <p:par>
-        <p:cTn id="1" dur="indefinite" restart="never" nodeType="tmRoot">
+        <p:cTn xmlns:p14="http://schemas.microsoft.com/office/powerpoint/2010/main" id="1" dur="indefinite" restart="never" nodeType="tmRoot">
           <p:childTnLst>
             <p:seq concurrent="1" nextAc="seek">
               <p:cTn id="2" dur="indefinite" nodeType="mainSeq">
@@ -3451,7 +3451,7 @@
   <p:timing>
     <p:tnLst>
       <p:par>
-        <p:cTn id="1" dur="indefinite" restart="never" nodeType="tmRoot">
+        <p:cTn xmlns:p14="http://schemas.microsoft.com/office/powerpoint/2010/main" id="1" dur="indefinite" restart="never" nodeType="tmRoot">
           <p:childTnLst>
             <p:seq concurrent="1" nextAc="seek">
               <p:cTn id="2" dur="indefinite" nodeType="mainSeq">
@@ -3826,7 +3826,7 @@
   <p:timing>
     <p:tnLst>
       <p:par>
-        <p:cTn id="1" dur="indefinite" restart="never" nodeType="tmRoot">
+        <p:cTn xmlns:p14="http://schemas.microsoft.com/office/powerpoint/2010/main" id="1" dur="indefinite" restart="never" nodeType="tmRoot">
           <p:childTnLst>
             <p:seq concurrent="1" nextAc="seek">
               <p:cTn id="2" dur="indefinite" nodeType="mainSeq">
@@ -4118,7 +4118,7 @@
   <p:timing>
     <p:tnLst>
       <p:par>
-        <p:cTn id="1" dur="indefinite" restart="never" nodeType="tmRoot">
+        <p:cTn xmlns:p14="http://schemas.microsoft.com/office/powerpoint/2010/main" id="1" dur="indefinite" restart="never" nodeType="tmRoot">
           <p:childTnLst>
             <p:seq concurrent="1" nextAc="seek">
               <p:cTn id="2" dur="indefinite" nodeType="mainSeq">
@@ -4609,7 +4609,7 @@
   <p:timing>
     <p:tnLst>
       <p:par>
-        <p:cTn id="1" dur="indefinite" restart="never" nodeType="tmRoot">
+        <p:cTn xmlns:p14="http://schemas.microsoft.com/office/powerpoint/2010/main" id="1" dur="indefinite" restart="never" nodeType="tmRoot">
           <p:childTnLst>
             <p:seq concurrent="1" nextAc="seek">
               <p:cTn id="2" dur="indefinite" nodeType="mainSeq">
@@ -12542,7 +12542,7 @@
   <p:timing>
     <p:tnLst>
       <p:par>
-        <p:cTn id="1" dur="indefinite" restart="never" nodeType="tmRoot">
+        <p:cTn xmlns:p14="http://schemas.microsoft.com/office/powerpoint/2010/main" id="1" dur="indefinite" restart="never" nodeType="tmRoot">
           <p:childTnLst>
             <p:seq concurrent="1" nextAc="seek">
               <p:cTn id="2" dur="indefinite" nodeType="mainSeq">
@@ -27479,7 +27479,7 @@
   <p:timing>
     <p:tnLst>
       <p:par>
-        <p:cTn id="1" dur="indefinite" restart="never" nodeType="tmRoot">
+        <p:cTn xmlns:p14="http://schemas.microsoft.com/office/powerpoint/2010/main" id="1" dur="indefinite" restart="never" nodeType="tmRoot">
           <p:childTnLst>
             <p:seq concurrent="1" nextAc="seek">
               <p:cTn id="2" dur="indefinite" nodeType="mainSeq">
@@ -27959,10 +27959,10 @@
             </p:nvGrpSpPr>
             <p:grpSpPr>
               <a:xfrm>
-                <a:off x="6007096" y="3429000"/>
-                <a:ext cx="723902" cy="1236307"/>
-                <a:chOff x="6007096" y="3429000"/>
-                <a:chExt cx="723902" cy="1236307"/>
+                <a:off x="5943600" y="3409534"/>
+                <a:ext cx="1079504" cy="1236307"/>
+                <a:chOff x="5943600" y="3409534"/>
+                <a:chExt cx="1079504" cy="1236307"/>
               </a:xfrm>
             </p:grpSpPr>
             <p:sp>
@@ -27973,8 +27973,8 @@
               </p:nvSpPr>
               <p:spPr>
                 <a:xfrm>
-                  <a:off x="6007096" y="4134266"/>
-                  <a:ext cx="723902" cy="531041"/>
+                  <a:off x="5943600" y="4114800"/>
+                  <a:ext cx="1079504" cy="531041"/>
                 </a:xfrm>
                 <a:prstGeom prst="rect">
                   <a:avLst/>
@@ -28002,10 +28002,10 @@
                 <a:p>
                   <a:pPr algn="ctr"/>
                   <a:r>
-                    <a:rPr lang="en-US" altLang="zh-CN" sz="2800" b="1"/>
-                    <a:t>M</a:t>
+                    <a:rPr lang="en-US" altLang="zh-CN" sz="2800" b="1" smtClean="0"/>
+                    <a:t>Sche</a:t>
                   </a:r>
-                  <a:endParaRPr lang="zh-CN" altLang="en-US" sz="2800" b="1"/>
+                  <a:endParaRPr lang="en-US" altLang="zh-CN" sz="2800" b="1" dirty="0" smtClean="0"/>
                 </a:p>
               </p:txBody>
             </p:sp>
@@ -28018,9 +28018,9 @@
                 <p:nvPr/>
               </p:nvCxnSpPr>
               <p:spPr>
-                <a:xfrm flipV="1">
-                  <a:off x="6369047" y="3429000"/>
-                  <a:ext cx="0" cy="705266"/>
+                <a:xfrm flipH="1" flipV="1">
+                  <a:off x="6305552" y="3409534"/>
+                  <a:ext cx="177800" cy="705266"/>
                 </a:xfrm>
                 <a:prstGeom prst="straightConnector1">
                   <a:avLst/>
@@ -28097,10 +28097,10 @@
               <a:p>
                 <a:pPr algn="ctr"/>
                 <a:r>
-                  <a:rPr lang="en-US" altLang="zh-CN" sz="2000" b="1"/>
-                  <a:t>KSE</a:t>
+                  <a:rPr lang="en-US" altLang="zh-CN" sz="2000" b="1" dirty="0"/>
+                  <a:t>M</a:t>
                 </a:r>
-                <a:endParaRPr lang="zh-CN" altLang="en-US" sz="2000" b="1"/>
+                <a:endParaRPr lang="zh-CN" altLang="en-US" sz="2000" b="1" dirty="0"/>
               </a:p>
             </p:txBody>
           </p:sp>
@@ -28147,7 +28147,7 @@
   <p:timing>
     <p:tnLst>
       <p:par>
-        <p:cTn id="1" dur="indefinite" restart="never" nodeType="tmRoot">
+        <p:cTn xmlns:p14="http://schemas.microsoft.com/office/powerpoint/2010/main" id="1" dur="indefinite" restart="never" nodeType="tmRoot">
           <p:childTnLst>
             <p:seq concurrent="1" nextAc="seek">
               <p:cTn id="2" dur="indefinite" nodeType="mainSeq">
@@ -28323,21 +28323,21 @@
                 <a:gridCol w="3251212">
                   <a:extLst>
                     <a:ext uri="{9D8B030D-6E8A-4147-A177-3AD203B41FA5}">
-                      <a16:colId xmlns:a16="http://schemas.microsoft.com/office/drawing/2014/main" val="20000"/>
+                      <a16:colId xmlns:a16="http://schemas.microsoft.com/office/drawing/2014/main" xmlns="" val="20000"/>
                     </a:ext>
                   </a:extLst>
                 </a:gridCol>
                 <a:gridCol w="2717038">
                   <a:extLst>
                     <a:ext uri="{9D8B030D-6E8A-4147-A177-3AD203B41FA5}">
-                      <a16:colId xmlns:a16="http://schemas.microsoft.com/office/drawing/2014/main" val="20001"/>
+                      <a16:colId xmlns:a16="http://schemas.microsoft.com/office/drawing/2014/main" xmlns="" val="20001"/>
                     </a:ext>
                   </a:extLst>
                 </a:gridCol>
                 <a:gridCol w="2717165">
                   <a:extLst>
                     <a:ext uri="{9D8B030D-6E8A-4147-A177-3AD203B41FA5}">
-                      <a16:colId xmlns:a16="http://schemas.microsoft.com/office/drawing/2014/main" val="20002"/>
+                      <a16:colId xmlns:a16="http://schemas.microsoft.com/office/drawing/2014/main" xmlns="" val="20002"/>
                     </a:ext>
                   </a:extLst>
                 </a:gridCol>
@@ -28522,7 +28522,7 @@
                 </a:tc>
                 <a:extLst>
                   <a:ext uri="{0D108BD9-81ED-4DB2-BD59-A6C34878D82A}">
-                    <a16:rowId xmlns:a16="http://schemas.microsoft.com/office/drawing/2014/main" val="10000"/>
+                    <a16:rowId xmlns:a16="http://schemas.microsoft.com/office/drawing/2014/main" xmlns="" val="10000"/>
                   </a:ext>
                 </a:extLst>
               </a:tr>
@@ -28714,7 +28714,7 @@
                 </a:tc>
                 <a:extLst>
                   <a:ext uri="{0D108BD9-81ED-4DB2-BD59-A6C34878D82A}">
-                    <a16:rowId xmlns:a16="http://schemas.microsoft.com/office/drawing/2014/main" val="10001"/>
+                    <a16:rowId xmlns:a16="http://schemas.microsoft.com/office/drawing/2014/main" xmlns="" val="10001"/>
                   </a:ext>
                 </a:extLst>
               </a:tr>
@@ -28902,7 +28902,7 @@
                 </a:tc>
                 <a:extLst>
                   <a:ext uri="{0D108BD9-81ED-4DB2-BD59-A6C34878D82A}">
-                    <a16:rowId xmlns:a16="http://schemas.microsoft.com/office/drawing/2014/main" val="10002"/>
+                    <a16:rowId xmlns:a16="http://schemas.microsoft.com/office/drawing/2014/main" xmlns="" val="10002"/>
                   </a:ext>
                 </a:extLst>
               </a:tr>
@@ -29086,7 +29086,7 @@
                 </a:tc>
                 <a:extLst>
                   <a:ext uri="{0D108BD9-81ED-4DB2-BD59-A6C34878D82A}">
-                    <a16:rowId xmlns:a16="http://schemas.microsoft.com/office/drawing/2014/main" val="10003"/>
+                    <a16:rowId xmlns:a16="http://schemas.microsoft.com/office/drawing/2014/main" xmlns="" val="10003"/>
                   </a:ext>
                 </a:extLst>
               </a:tr>
@@ -29274,7 +29274,7 @@
                 </a:tc>
                 <a:extLst>
                   <a:ext uri="{0D108BD9-81ED-4DB2-BD59-A6C34878D82A}">
-                    <a16:rowId xmlns:a16="http://schemas.microsoft.com/office/drawing/2014/main" val="10004"/>
+                    <a16:rowId xmlns:a16="http://schemas.microsoft.com/office/drawing/2014/main" xmlns="" val="10004"/>
                   </a:ext>
                 </a:extLst>
               </a:tr>
@@ -29462,7 +29462,7 @@
                 </a:tc>
                 <a:extLst>
                   <a:ext uri="{0D108BD9-81ED-4DB2-BD59-A6C34878D82A}">
-                    <a16:rowId xmlns:a16="http://schemas.microsoft.com/office/drawing/2014/main" val="10005"/>
+                    <a16:rowId xmlns:a16="http://schemas.microsoft.com/office/drawing/2014/main" xmlns="" val="10005"/>
                   </a:ext>
                 </a:extLst>
               </a:tr>
@@ -29658,7 +29658,7 @@
                 </a:tc>
                 <a:extLst>
                   <a:ext uri="{0D108BD9-81ED-4DB2-BD59-A6C34878D82A}">
-                    <a16:rowId xmlns:a16="http://schemas.microsoft.com/office/drawing/2014/main" val="10006"/>
+                    <a16:rowId xmlns:a16="http://schemas.microsoft.com/office/drawing/2014/main" xmlns="" val="10006"/>
                   </a:ext>
                 </a:extLst>
               </a:tr>
@@ -29842,7 +29842,7 @@
                 </a:tc>
                 <a:extLst>
                   <a:ext uri="{0D108BD9-81ED-4DB2-BD59-A6C34878D82A}">
-                    <a16:rowId xmlns:a16="http://schemas.microsoft.com/office/drawing/2014/main" val="10007"/>
+                    <a16:rowId xmlns:a16="http://schemas.microsoft.com/office/drawing/2014/main" xmlns="" val="10007"/>
                   </a:ext>
                 </a:extLst>
               </a:tr>
@@ -30062,7 +30062,7 @@
                 </a:tc>
                 <a:extLst>
                   <a:ext uri="{0D108BD9-81ED-4DB2-BD59-A6C34878D82A}">
-                    <a16:rowId xmlns:a16="http://schemas.microsoft.com/office/drawing/2014/main" val="10008"/>
+                    <a16:rowId xmlns:a16="http://schemas.microsoft.com/office/drawing/2014/main" xmlns="" val="10008"/>
                   </a:ext>
                 </a:extLst>
               </a:tr>
@@ -30282,7 +30282,7 @@
                 </a:tc>
                 <a:extLst>
                   <a:ext uri="{0D108BD9-81ED-4DB2-BD59-A6C34878D82A}">
-                    <a16:rowId xmlns:a16="http://schemas.microsoft.com/office/drawing/2014/main" val="10009"/>
+                    <a16:rowId xmlns:a16="http://schemas.microsoft.com/office/drawing/2014/main" xmlns="" val="10009"/>
                   </a:ext>
                 </a:extLst>
               </a:tr>
@@ -30340,7 +30340,7 @@
   <p:timing>
     <p:tnLst>
       <p:par>
-        <p:cTn id="1" dur="indefinite" restart="never" nodeType="tmRoot">
+        <p:cTn xmlns:p14="http://schemas.microsoft.com/office/powerpoint/2010/main" id="1" dur="indefinite" restart="never" nodeType="tmRoot">
           <p:childTnLst>
             <p:seq concurrent="1" nextAc="seek">
               <p:cTn id="2" dur="indefinite" nodeType="mainSeq">
@@ -30702,7 +30702,7 @@
   <p:timing>
     <p:tnLst>
       <p:par>
-        <p:cTn id="1" dur="indefinite" restart="never" nodeType="tmRoot">
+        <p:cTn xmlns:p14="http://schemas.microsoft.com/office/powerpoint/2010/main" id="1" dur="indefinite" restart="never" nodeType="tmRoot">
           <p:childTnLst>
             <p:seq concurrent="1" nextAc="seek">
               <p:cTn id="2" dur="indefinite" nodeType="mainSeq">
@@ -32908,7 +32908,7 @@
   <p:timing>
     <p:tnLst>
       <p:par>
-        <p:cTn id="1" dur="indefinite" restart="never" nodeType="tmRoot">
+        <p:cTn xmlns:p14="http://schemas.microsoft.com/office/powerpoint/2010/main" id="1" dur="indefinite" restart="never" nodeType="tmRoot">
           <p:childTnLst>
             <p:seq concurrent="1" nextAc="seek">
               <p:cTn id="2" dur="indefinite" nodeType="mainSeq">
@@ -37603,7 +37603,7 @@
   <p:timing>
     <p:tnLst>
       <p:par>
-        <p:cTn id="1" dur="indefinite" restart="never" nodeType="tmRoot">
+        <p:cTn xmlns:p14="http://schemas.microsoft.com/office/powerpoint/2010/main" id="1" dur="indefinite" restart="never" nodeType="tmRoot">
           <p:childTnLst>
             <p:seq concurrent="1" nextAc="seek">
               <p:cTn id="2" dur="indefinite" nodeType="mainSeq">
@@ -37797,7 +37797,7 @@
   <p:timing>
     <p:tnLst>
       <p:par>
-        <p:cTn id="1" dur="indefinite" restart="never" nodeType="tmRoot">
+        <p:cTn xmlns:p14="http://schemas.microsoft.com/office/powerpoint/2010/main" id="1" dur="indefinite" restart="never" nodeType="tmRoot">
           <p:childTnLst>
             <p:seq concurrent="1" nextAc="seek">
               <p:cTn id="2" dur="indefinite" nodeType="mainSeq">
@@ -38030,15 +38030,7 @@
                     <a:srgbClr val="0070C0"/>
                   </a:solidFill>
                 </a:rPr>
-                <a:t>v</a:t>
-              </a:r>
-              <a:r>
-                <a:rPr lang="en-US" altLang="zh-CN" sz="2400">
-                  <a:solidFill>
-                    <a:srgbClr val="0070C0"/>
-                  </a:solidFill>
-                </a:rPr>
-                <a:t>ar</a:t>
+                <a:t>var</a:t>
               </a:r>
               <a:r>
                 <a:rPr lang="en-US" altLang="zh-CN" sz="2400"/>
@@ -38055,15 +38047,7 @@
                     <a:srgbClr val="0070C0"/>
                   </a:solidFill>
                 </a:rPr>
-                <a:t>v</a:t>
-              </a:r>
-              <a:r>
-                <a:rPr lang="en-US" altLang="zh-CN" sz="2400">
-                  <a:solidFill>
-                    <a:srgbClr val="0070C0"/>
-                  </a:solidFill>
-                </a:rPr>
-                <a:t>ar</a:t>
+                <a:t>var</a:t>
               </a:r>
               <a:r>
                 <a:rPr lang="en-US" altLang="zh-CN" sz="2400"/>
@@ -38217,13 +38201,6 @@
                   </a:rPr>
                   <a:t>字符串</a:t>
                 </a:r>
-                <a:endParaRPr lang="zh-CN" altLang="en-US">
-                  <a:solidFill>
-                    <a:schemeClr val="tx1"/>
-                  </a:solidFill>
-                  <a:latin typeface="华文楷体" panose="02010600040101010101" pitchFamily="2" charset="-122"/>
-                  <a:ea typeface="华文楷体" panose="02010600040101010101" pitchFamily="2" charset="-122"/>
-                </a:endParaRPr>
               </a:p>
             </p:txBody>
           </p:sp>
@@ -38326,13 +38303,6 @@
                   </a:rPr>
                   <a:t>只能用于函数内部</a:t>
                 </a:r>
-                <a:endParaRPr lang="zh-CN" altLang="en-US">
-                  <a:solidFill>
-                    <a:schemeClr val="tx1"/>
-                  </a:solidFill>
-                  <a:latin typeface="华文楷体" panose="02010600040101010101" pitchFamily="2" charset="-122"/>
-                  <a:ea typeface="华文楷体" panose="02010600040101010101" pitchFamily="2" charset="-122"/>
-                </a:endParaRPr>
               </a:p>
             </p:txBody>
           </p:sp>
@@ -38537,13 +38507,6 @@
                   </a:rPr>
                   <a:t>不常用</a:t>
                 </a:r>
-                <a:endParaRPr lang="zh-CN" altLang="en-US">
-                  <a:solidFill>
-                    <a:schemeClr val="tx1"/>
-                  </a:solidFill>
-                  <a:latin typeface="华文楷体" panose="02010600040101010101" pitchFamily="2" charset="-122"/>
-                  <a:ea typeface="华文楷体" panose="02010600040101010101" pitchFamily="2" charset="-122"/>
-                </a:endParaRPr>
               </a:p>
             </p:txBody>
           </p:sp>
@@ -38634,27 +38597,7 @@
                 <a:latin typeface="华文楷体" panose="02010600040101010101" pitchFamily="2" charset="-122"/>
                 <a:ea typeface="华文楷体" panose="02010600040101010101" pitchFamily="2" charset="-122"/>
               </a:rPr>
-              <a:t>定义但未使用的变量，编译的时候会报错，但全局变量</a:t>
-            </a:r>
-            <a:r>
-              <a:rPr lang="zh-CN" altLang="en-US">
-                <a:solidFill>
-                  <a:schemeClr val="tx1"/>
-                </a:solidFill>
-                <a:latin typeface="华文楷体" panose="02010600040101010101" pitchFamily="2" charset="-122"/>
-                <a:ea typeface="华文楷体" panose="02010600040101010101" pitchFamily="2" charset="-122"/>
-              </a:rPr>
-              <a:t>和</a:t>
-            </a:r>
-            <a:r>
-              <a:rPr lang="zh-CN" altLang="en-US">
-                <a:solidFill>
-                  <a:schemeClr val="tx1"/>
-                </a:solidFill>
-                <a:latin typeface="华文楷体" panose="02010600040101010101" pitchFamily="2" charset="-122"/>
-                <a:ea typeface="华文楷体" panose="02010600040101010101" pitchFamily="2" charset="-122"/>
-              </a:rPr>
-              <a:t>静态变量除外；</a:t>
+              <a:t>定义但未使用的变量，编译的时候会报错，但全局变量和静态变量除外；</a:t>
             </a:r>
             <a:endParaRPr lang="en-US" altLang="zh-CN">
               <a:solidFill>
@@ -38865,7 +38808,7 @@
   <p:timing>
     <p:tnLst>
       <p:par>
-        <p:cTn id="1" dur="indefinite" restart="never" nodeType="tmRoot">
+        <p:cTn xmlns:p14="http://schemas.microsoft.com/office/powerpoint/2010/main" id="1" dur="indefinite" restart="never" nodeType="tmRoot">
           <p:childTnLst>
             <p:seq concurrent="1" nextAc="seek">
               <p:cTn id="2" dur="indefinite" nodeType="mainSeq">
@@ -39378,7 +39321,7 @@
   <p:timing>
     <p:tnLst>
       <p:par>
-        <p:cTn id="1" dur="indefinite" restart="never" nodeType="tmRoot">
+        <p:cTn xmlns:p14="http://schemas.microsoft.com/office/powerpoint/2010/main" id="1" dur="indefinite" restart="never" nodeType="tmRoot">
           <p:childTnLst>
             <p:seq concurrent="1" nextAc="seek">
               <p:cTn id="2" dur="indefinite" nodeType="mainSeq">
@@ -40137,27 +40080,7 @@
                 <a:latin typeface="华文楷体" panose="02010600040101010101" pitchFamily="2" charset="-122"/>
                 <a:ea typeface="华文楷体" panose="02010600040101010101" pitchFamily="2" charset="-122"/>
               </a:rPr>
-              <a:t>j </a:t>
-            </a:r>
-            <a:r>
-              <a:rPr lang="en-US" altLang="zh-CN">
-                <a:solidFill>
-                  <a:srgbClr val="FF0000"/>
-                </a:solidFill>
-                <a:latin typeface="华文楷体" panose="02010600040101010101" pitchFamily="2" charset="-122"/>
-                <a:ea typeface="华文楷体" panose="02010600040101010101" pitchFamily="2" charset="-122"/>
-              </a:rPr>
-              <a:t>:= 1</a:t>
-            </a:r>
-            <a:r>
-              <a:rPr lang="en-US" altLang="zh-CN">
-                <a:solidFill>
-                  <a:srgbClr val="FF0000"/>
-                </a:solidFill>
-                <a:latin typeface="华文楷体" panose="02010600040101010101" pitchFamily="2" charset="-122"/>
-                <a:ea typeface="华文楷体" panose="02010600040101010101" pitchFamily="2" charset="-122"/>
-              </a:rPr>
-              <a:t>, 10</a:t>
+              <a:t>j := 1, 10</a:t>
             </a:r>
             <a:r>
               <a:rPr lang="zh-CN" altLang="en-US">
@@ -40177,27 +40100,7 @@
                 <a:latin typeface="华文楷体" panose="02010600040101010101" pitchFamily="2" charset="-122"/>
                 <a:ea typeface="华文楷体" panose="02010600040101010101" pitchFamily="2" charset="-122"/>
               </a:rPr>
-              <a:t>  </a:t>
-            </a:r>
-            <a:r>
-              <a:rPr lang="en-US" altLang="zh-CN">
-                <a:solidFill>
-                  <a:schemeClr val="tx1"/>
-                </a:solidFill>
-                <a:latin typeface="华文楷体" panose="02010600040101010101" pitchFamily="2" charset="-122"/>
-                <a:ea typeface="华文楷体" panose="02010600040101010101" pitchFamily="2" charset="-122"/>
-              </a:rPr>
-              <a:t>i &lt; 10 &amp;&amp; j </a:t>
-            </a:r>
-            <a:r>
-              <a:rPr lang="en-US" altLang="zh-CN">
-                <a:solidFill>
-                  <a:schemeClr val="tx1"/>
-                </a:solidFill>
-                <a:latin typeface="华文楷体" panose="02010600040101010101" pitchFamily="2" charset="-122"/>
-                <a:ea typeface="华文楷体" panose="02010600040101010101" pitchFamily="2" charset="-122"/>
-              </a:rPr>
-              <a:t>&lt; 20</a:t>
+              <a:t>  i &lt; 10 &amp;&amp; j &lt; 20</a:t>
             </a:r>
             <a:r>
               <a:rPr lang="zh-CN" altLang="en-US">
@@ -40287,17 +40190,7 @@
                 <a:latin typeface="华文楷体" panose="02010600040101010101" pitchFamily="2" charset="-122"/>
                 <a:ea typeface="华文楷体" panose="02010600040101010101" pitchFamily="2" charset="-122"/>
               </a:rPr>
-              <a:t> </a:t>
-            </a:r>
-            <a:r>
-              <a:rPr lang="en-US" altLang="zh-CN">
-                <a:solidFill>
-                  <a:schemeClr val="tx1"/>
-                </a:solidFill>
-                <a:latin typeface="华文楷体" panose="02010600040101010101" pitchFamily="2" charset="-122"/>
-                <a:ea typeface="华文楷体" panose="02010600040101010101" pitchFamily="2" charset="-122"/>
-              </a:rPr>
-              <a:t>for   </a:t>
+              <a:t> for   </a:t>
             </a:r>
             <a:r>
               <a:rPr lang="en-US" altLang="zh-CN">
@@ -40327,27 +40220,7 @@
                 <a:latin typeface="华文楷体" panose="02010600040101010101" pitchFamily="2" charset="-122"/>
                 <a:ea typeface="华文楷体" panose="02010600040101010101" pitchFamily="2" charset="-122"/>
               </a:rPr>
-              <a:t>j </a:t>
-            </a:r>
-            <a:r>
-              <a:rPr lang="en-US" altLang="zh-CN">
-                <a:solidFill>
-                  <a:srgbClr val="FF0000"/>
-                </a:solidFill>
-                <a:latin typeface="华文楷体" panose="02010600040101010101" pitchFamily="2" charset="-122"/>
-                <a:ea typeface="华文楷体" panose="02010600040101010101" pitchFamily="2" charset="-122"/>
-              </a:rPr>
-              <a:t>:= 1</a:t>
-            </a:r>
-            <a:r>
-              <a:rPr lang="en-US" altLang="zh-CN">
-                <a:solidFill>
-                  <a:srgbClr val="FF0000"/>
-                </a:solidFill>
-                <a:latin typeface="华文楷体" panose="02010600040101010101" pitchFamily="2" charset="-122"/>
-                <a:ea typeface="华文楷体" panose="02010600040101010101" pitchFamily="2" charset="-122"/>
-              </a:rPr>
-              <a:t>, 10</a:t>
+              <a:t>j := 1, 10</a:t>
             </a:r>
             <a:r>
               <a:rPr lang="zh-CN" altLang="en-US">
@@ -40367,27 +40240,7 @@
                 <a:latin typeface="华文楷体" panose="02010600040101010101" pitchFamily="2" charset="-122"/>
                 <a:ea typeface="华文楷体" panose="02010600040101010101" pitchFamily="2" charset="-122"/>
               </a:rPr>
-              <a:t>  </a:t>
-            </a:r>
-            <a:r>
-              <a:rPr lang="en-US" altLang="zh-CN">
-                <a:solidFill>
-                  <a:schemeClr val="tx1"/>
-                </a:solidFill>
-                <a:latin typeface="华文楷体" panose="02010600040101010101" pitchFamily="2" charset="-122"/>
-                <a:ea typeface="华文楷体" panose="02010600040101010101" pitchFamily="2" charset="-122"/>
-              </a:rPr>
-              <a:t>i &lt; 10 &amp;&amp; j </a:t>
-            </a:r>
-            <a:r>
-              <a:rPr lang="en-US" altLang="zh-CN">
-                <a:solidFill>
-                  <a:schemeClr val="tx1"/>
-                </a:solidFill>
-                <a:latin typeface="华文楷体" panose="02010600040101010101" pitchFamily="2" charset="-122"/>
-                <a:ea typeface="华文楷体" panose="02010600040101010101" pitchFamily="2" charset="-122"/>
-              </a:rPr>
-              <a:t>&lt; 20</a:t>
+              <a:t>  i &lt; 10 &amp;&amp; j &lt; 20</a:t>
             </a:r>
             <a:r>
               <a:rPr lang="zh-CN" altLang="en-US">
@@ -40437,27 +40290,7 @@
                 <a:latin typeface="华文楷体" panose="02010600040101010101" pitchFamily="2" charset="-122"/>
                 <a:ea typeface="华文楷体" panose="02010600040101010101" pitchFamily="2" charset="-122"/>
               </a:rPr>
-              <a:t>j </a:t>
-            </a:r>
-            <a:r>
-              <a:rPr lang="en-US" altLang="zh-CN">
-                <a:solidFill>
-                  <a:srgbClr val="FF0000"/>
-                </a:solidFill>
-                <a:latin typeface="华文楷体" panose="02010600040101010101" pitchFamily="2" charset="-122"/>
-                <a:ea typeface="华文楷体" panose="02010600040101010101" pitchFamily="2" charset="-122"/>
-              </a:rPr>
-              <a:t>= </a:t>
-            </a:r>
-            <a:r>
-              <a:rPr lang="en-US" altLang="zh-CN">
-                <a:solidFill>
-                  <a:srgbClr val="FF0000"/>
-                </a:solidFill>
-                <a:latin typeface="华文楷体" panose="02010600040101010101" pitchFamily="2" charset="-122"/>
-                <a:ea typeface="华文楷体" panose="02010600040101010101" pitchFamily="2" charset="-122"/>
-              </a:rPr>
-              <a:t>i++</a:t>
+              <a:t>j = i++</a:t>
             </a:r>
             <a:r>
               <a:rPr lang="zh-CN" altLang="en-US">
@@ -40547,27 +40380,7 @@
                 <a:latin typeface="华文楷体" panose="02010600040101010101" pitchFamily="2" charset="-122"/>
                 <a:ea typeface="华文楷体" panose="02010600040101010101" pitchFamily="2" charset="-122"/>
               </a:rPr>
-              <a:t>j </a:t>
-            </a:r>
-            <a:r>
-              <a:rPr lang="en-US" altLang="zh-CN">
-                <a:solidFill>
-                  <a:srgbClr val="FF0000"/>
-                </a:solidFill>
-                <a:latin typeface="华文楷体" panose="02010600040101010101" pitchFamily="2" charset="-122"/>
-                <a:ea typeface="华文楷体" panose="02010600040101010101" pitchFamily="2" charset="-122"/>
-              </a:rPr>
-              <a:t>:= 1</a:t>
-            </a:r>
-            <a:r>
-              <a:rPr lang="en-US" altLang="zh-CN">
-                <a:solidFill>
-                  <a:srgbClr val="FF0000"/>
-                </a:solidFill>
-                <a:latin typeface="华文楷体" panose="02010600040101010101" pitchFamily="2" charset="-122"/>
-                <a:ea typeface="华文楷体" panose="02010600040101010101" pitchFamily="2" charset="-122"/>
-              </a:rPr>
-              <a:t>, 10</a:t>
+              <a:t>j := 1, 10</a:t>
             </a:r>
             <a:r>
               <a:rPr lang="zh-CN" altLang="en-US">
@@ -40587,27 +40400,7 @@
                 <a:latin typeface="华文楷体" panose="02010600040101010101" pitchFamily="2" charset="-122"/>
                 <a:ea typeface="华文楷体" panose="02010600040101010101" pitchFamily="2" charset="-122"/>
               </a:rPr>
-              <a:t>  </a:t>
-            </a:r>
-            <a:r>
-              <a:rPr lang="en-US" altLang="zh-CN">
-                <a:solidFill>
-                  <a:schemeClr val="tx1"/>
-                </a:solidFill>
-                <a:latin typeface="华文楷体" panose="02010600040101010101" pitchFamily="2" charset="-122"/>
-                <a:ea typeface="华文楷体" panose="02010600040101010101" pitchFamily="2" charset="-122"/>
-              </a:rPr>
-              <a:t>i &lt; 10 &amp;&amp; j </a:t>
-            </a:r>
-            <a:r>
-              <a:rPr lang="en-US" altLang="zh-CN">
-                <a:solidFill>
-                  <a:schemeClr val="tx1"/>
-                </a:solidFill>
-                <a:latin typeface="华文楷体" panose="02010600040101010101" pitchFamily="2" charset="-122"/>
-                <a:ea typeface="华文楷体" panose="02010600040101010101" pitchFamily="2" charset="-122"/>
-              </a:rPr>
-              <a:t>&lt; 20</a:t>
+              <a:t>  i &lt; 10 &amp;&amp; j &lt; 20</a:t>
             </a:r>
             <a:r>
               <a:rPr lang="zh-CN" altLang="en-US">
@@ -40649,13 +40442,6 @@
               </a:rPr>
               <a:t>j++</a:t>
             </a:r>
-            <a:endParaRPr lang="en-US" altLang="zh-CN">
-              <a:solidFill>
-                <a:srgbClr val="FF0000"/>
-              </a:solidFill>
-              <a:latin typeface="华文楷体" panose="02010600040101010101" pitchFamily="2" charset="-122"/>
-              <a:ea typeface="华文楷体" panose="02010600040101010101" pitchFamily="2" charset="-122"/>
-            </a:endParaRPr>
           </a:p>
           <a:p>
             <a:pPr marL="342900" indent="-342900">
@@ -40786,7 +40572,7 @@
   <p:timing>
     <p:tnLst>
       <p:par>
-        <p:cTn id="1" dur="indefinite" restart="never" nodeType="tmRoot">
+        <p:cTn xmlns:p14="http://schemas.microsoft.com/office/powerpoint/2010/main" id="1" dur="indefinite" restart="never" nodeType="tmRoot">
           <p:childTnLst>
             <p:seq concurrent="1" nextAc="seek">
               <p:cTn id="2" dur="indefinite" nodeType="mainSeq">
@@ -41263,7 +41049,7 @@
   <p:timing>
     <p:tnLst>
       <p:par>
-        <p:cTn id="1" dur="indefinite" restart="never" nodeType="tmRoot">
+        <p:cTn xmlns:p14="http://schemas.microsoft.com/office/powerpoint/2010/main" id="1" dur="indefinite" restart="never" nodeType="tmRoot">
           <p:childTnLst>
             <p:seq concurrent="1" nextAc="seek">
               <p:cTn id="2" dur="indefinite" nodeType="mainSeq">
@@ -41427,70 +41213,70 @@
                 <a:gridCol w="886409">
                   <a:extLst>
                     <a:ext uri="{9D8B030D-6E8A-4147-A177-3AD203B41FA5}">
-                      <a16:colId xmlns:a16="http://schemas.microsoft.com/office/drawing/2014/main" val="20000"/>
+                      <a16:colId xmlns:a16="http://schemas.microsoft.com/office/drawing/2014/main" xmlns="" val="20000"/>
                     </a:ext>
                   </a:extLst>
                 </a:gridCol>
                 <a:gridCol w="590931">
                   <a:extLst>
                     <a:ext uri="{9D8B030D-6E8A-4147-A177-3AD203B41FA5}">
-                      <a16:colId xmlns:a16="http://schemas.microsoft.com/office/drawing/2014/main" val="20001"/>
+                      <a16:colId xmlns:a16="http://schemas.microsoft.com/office/drawing/2014/main" xmlns="" val="20001"/>
                     </a:ext>
                   </a:extLst>
                 </a:gridCol>
                 <a:gridCol w="738758">
                   <a:extLst>
                     <a:ext uri="{9D8B030D-6E8A-4147-A177-3AD203B41FA5}">
-                      <a16:colId xmlns:a16="http://schemas.microsoft.com/office/drawing/2014/main" val="20002"/>
+                      <a16:colId xmlns:a16="http://schemas.microsoft.com/office/drawing/2014/main" xmlns="" val="20002"/>
                     </a:ext>
                   </a:extLst>
                 </a:gridCol>
                 <a:gridCol w="738632">
                   <a:extLst>
                     <a:ext uri="{9D8B030D-6E8A-4147-A177-3AD203B41FA5}">
-                      <a16:colId xmlns:a16="http://schemas.microsoft.com/office/drawing/2014/main" val="20003"/>
+                      <a16:colId xmlns:a16="http://schemas.microsoft.com/office/drawing/2014/main" xmlns="" val="20003"/>
                     </a:ext>
                   </a:extLst>
                 </a:gridCol>
                 <a:gridCol w="738758">
                   <a:extLst>
                     <a:ext uri="{9D8B030D-6E8A-4147-A177-3AD203B41FA5}">
-                      <a16:colId xmlns:a16="http://schemas.microsoft.com/office/drawing/2014/main" val="20004"/>
+                      <a16:colId xmlns:a16="http://schemas.microsoft.com/office/drawing/2014/main" xmlns="" val="20004"/>
                     </a:ext>
                   </a:extLst>
                 </a:gridCol>
                 <a:gridCol w="699008">
                   <a:extLst>
                     <a:ext uri="{9D8B030D-6E8A-4147-A177-3AD203B41FA5}">
-                      <a16:colId xmlns:a16="http://schemas.microsoft.com/office/drawing/2014/main" val="20005"/>
+                      <a16:colId xmlns:a16="http://schemas.microsoft.com/office/drawing/2014/main" xmlns="" val="20005"/>
                     </a:ext>
                   </a:extLst>
                 </a:gridCol>
                 <a:gridCol w="720089">
                   <a:extLst>
                     <a:ext uri="{9D8B030D-6E8A-4147-A177-3AD203B41FA5}">
-                      <a16:colId xmlns:a16="http://schemas.microsoft.com/office/drawing/2014/main" val="20006"/>
+                      <a16:colId xmlns:a16="http://schemas.microsoft.com/office/drawing/2014/main" xmlns="" val="20006"/>
                     </a:ext>
                   </a:extLst>
                 </a:gridCol>
                 <a:gridCol w="792099">
                   <a:extLst>
                     <a:ext uri="{9D8B030D-6E8A-4147-A177-3AD203B41FA5}">
-                      <a16:colId xmlns:a16="http://schemas.microsoft.com/office/drawing/2014/main" val="20007"/>
+                      <a16:colId xmlns:a16="http://schemas.microsoft.com/office/drawing/2014/main" xmlns="" val="20007"/>
                     </a:ext>
                   </a:extLst>
                 </a:gridCol>
                 <a:gridCol w="648080">
                   <a:extLst>
                     <a:ext uri="{9D8B030D-6E8A-4147-A177-3AD203B41FA5}">
-                      <a16:colId xmlns:a16="http://schemas.microsoft.com/office/drawing/2014/main" val="20008"/>
+                      <a16:colId xmlns:a16="http://schemas.microsoft.com/office/drawing/2014/main" xmlns="" val="20008"/>
                     </a:ext>
                   </a:extLst>
                 </a:gridCol>
                 <a:gridCol w="720089">
                   <a:extLst>
                     <a:ext uri="{9D8B030D-6E8A-4147-A177-3AD203B41FA5}">
-                      <a16:colId xmlns:a16="http://schemas.microsoft.com/office/drawing/2014/main" val="20009"/>
+                      <a16:colId xmlns:a16="http://schemas.microsoft.com/office/drawing/2014/main" xmlns="" val="20009"/>
                     </a:ext>
                   </a:extLst>
                 </a:gridCol>
@@ -42067,7 +41853,7 @@
                 </a:tc>
                 <a:extLst>
                   <a:ext uri="{0D108BD9-81ED-4DB2-BD59-A6C34878D82A}">
-                    <a16:rowId xmlns:a16="http://schemas.microsoft.com/office/drawing/2014/main" val="10000"/>
+                    <a16:rowId xmlns:a16="http://schemas.microsoft.com/office/drawing/2014/main" xmlns="" val="10000"/>
                   </a:ext>
                 </a:extLst>
               </a:tr>
@@ -42633,7 +42419,7 @@
                 </a:tc>
                 <a:extLst>
                   <a:ext uri="{0D108BD9-81ED-4DB2-BD59-A6C34878D82A}">
-                    <a16:rowId xmlns:a16="http://schemas.microsoft.com/office/drawing/2014/main" val="10001"/>
+                    <a16:rowId xmlns:a16="http://schemas.microsoft.com/office/drawing/2014/main" xmlns="" val="10001"/>
                   </a:ext>
                 </a:extLst>
               </a:tr>
@@ -43195,7 +42981,7 @@
                 </a:tc>
                 <a:extLst>
                   <a:ext uri="{0D108BD9-81ED-4DB2-BD59-A6C34878D82A}">
-                    <a16:rowId xmlns:a16="http://schemas.microsoft.com/office/drawing/2014/main" val="10002"/>
+                    <a16:rowId xmlns:a16="http://schemas.microsoft.com/office/drawing/2014/main" xmlns="" val="10002"/>
                   </a:ext>
                 </a:extLst>
               </a:tr>
@@ -43750,7 +43536,7 @@
                 </a:tc>
                 <a:extLst>
                   <a:ext uri="{0D108BD9-81ED-4DB2-BD59-A6C34878D82A}">
-                    <a16:rowId xmlns:a16="http://schemas.microsoft.com/office/drawing/2014/main" val="10003"/>
+                    <a16:rowId xmlns:a16="http://schemas.microsoft.com/office/drawing/2014/main" xmlns="" val="10003"/>
                   </a:ext>
                 </a:extLst>
               </a:tr>
@@ -44298,7 +44084,7 @@
                 </a:tc>
                 <a:extLst>
                   <a:ext uri="{0D108BD9-81ED-4DB2-BD59-A6C34878D82A}">
-                    <a16:rowId xmlns:a16="http://schemas.microsoft.com/office/drawing/2014/main" val="10004"/>
+                    <a16:rowId xmlns:a16="http://schemas.microsoft.com/office/drawing/2014/main" xmlns="" val="10004"/>
                   </a:ext>
                 </a:extLst>
               </a:tr>
@@ -45491,7 +45277,7 @@
   <p:timing>
     <p:tnLst>
       <p:par>
-        <p:cTn id="1" dur="indefinite" restart="never" nodeType="tmRoot">
+        <p:cTn xmlns:p14="http://schemas.microsoft.com/office/powerpoint/2010/main" id="1" dur="indefinite" restart="never" nodeType="tmRoot">
           <p:childTnLst>
             <p:seq concurrent="1" nextAc="seek">
               <p:cTn id="2" dur="indefinite" nodeType="mainSeq">
@@ -46331,7 +46117,7 @@
   <p:timing>
     <p:tnLst>
       <p:par>
-        <p:cTn id="1" dur="indefinite" restart="never" nodeType="tmRoot">
+        <p:cTn xmlns:p14="http://schemas.microsoft.com/office/powerpoint/2010/main" id="1" dur="indefinite" restart="never" nodeType="tmRoot">
           <p:childTnLst>
             <p:seq concurrent="1" nextAc="seek">
               <p:cTn id="2" dur="indefinite" nodeType="mainSeq">
@@ -46646,7 +46432,7 @@
   <p:timing>
     <p:tnLst>
       <p:par>
-        <p:cTn id="1" dur="indefinite" restart="never" nodeType="tmRoot">
+        <p:cTn xmlns:p14="http://schemas.microsoft.com/office/powerpoint/2010/main" id="1" dur="indefinite" restart="never" nodeType="tmRoot">
           <p:childTnLst>
             <p:seq concurrent="1" nextAc="seek">
               <p:cTn id="2" dur="indefinite" nodeType="mainSeq">
@@ -47173,7 +46959,7 @@
   <p:timing>
     <p:tnLst>
       <p:par>
-        <p:cTn id="1" dur="indefinite" restart="never" nodeType="tmRoot">
+        <p:cTn xmlns:p14="http://schemas.microsoft.com/office/powerpoint/2010/main" id="1" dur="indefinite" restart="never" nodeType="tmRoot">
           <p:childTnLst>
             <p:seq concurrent="1" nextAc="seek">
               <p:cTn id="2" dur="indefinite" nodeType="mainSeq">
@@ -47665,7 +47451,7 @@
   <p:timing>
     <p:tnLst>
       <p:par>
-        <p:cTn id="1" dur="indefinite" restart="never" nodeType="tmRoot">
+        <p:cTn xmlns:p14="http://schemas.microsoft.com/office/powerpoint/2010/main" id="1" dur="indefinite" restart="never" nodeType="tmRoot">
           <p:childTnLst>
             <p:seq concurrent="1" nextAc="seek">
               <p:cTn id="2" dur="indefinite" nodeType="mainSeq">
@@ -48302,7 +48088,7 @@
   <p:timing>
     <p:tnLst>
       <p:par>
-        <p:cTn id="1" dur="indefinite" restart="never" nodeType="tmRoot">
+        <p:cTn xmlns:p14="http://schemas.microsoft.com/office/powerpoint/2010/main" id="1" dur="indefinite" restart="never" nodeType="tmRoot">
           <p:childTnLst>
             <p:seq concurrent="1" nextAc="seek">
               <p:cTn id="2" dur="indefinite" nodeType="mainSeq">
